--- a/ClassMaterials/OOAndExceptions/Slides/Part1-UML-Review.pptx
+++ b/ClassMaterials/OOAndExceptions/Slides/Part1-UML-Review.pptx
@@ -5340,6 +5340,102 @@
           </a:p>
         </p:txBody>
       </p:sp>
+      <p:sp>
+        <p:nvSpPr>
+          <p:cNvPr id="2" name="TextBox 1">
+            <a:extLst>
+              <a:ext uri="{FF2B5EF4-FFF2-40B4-BE49-F238E27FC236}">
+                <a16:creationId xmlns:a16="http://schemas.microsoft.com/office/drawing/2014/main" id="{0BB695EC-421F-32CE-A5DD-39A0356C8DD8}"/>
+              </a:ext>
+            </a:extLst>
+          </p:cNvPr>
+          <p:cNvSpPr txBox="1"/>
+          <p:nvPr/>
+        </p:nvSpPr>
+        <p:spPr>
+          <a:xfrm>
+            <a:off x="3971366" y="22057"/>
+            <a:ext cx="5334001" cy="1046440"/>
+          </a:xfrm>
+          <a:prstGeom prst="rect">
+            <a:avLst/>
+          </a:prstGeom>
+          <a:noFill/>
+          <a:ln w="12700" cap="flat">
+            <a:noFill/>
+            <a:miter lim="400000"/>
+          </a:ln>
+          <a:effectLst/>
+        </p:spPr>
+        <p:style>
+          <a:lnRef idx="0">
+            <a:scrgbClr r="0" g="0" b="0"/>
+          </a:lnRef>
+          <a:fillRef idx="0">
+            <a:scrgbClr r="0" g="0" b="0"/>
+          </a:fillRef>
+          <a:effectRef idx="0">
+            <a:scrgbClr r="0" g="0" b="0"/>
+          </a:effectRef>
+          <a:fontRef idx="none"/>
+        </p:style>
+        <p:txBody>
+          <a:bodyPr wrap="square">
+            <a:spAutoFit/>
+          </a:bodyPr>
+          <a:lstStyle/>
+          <a:p>
+            <a:r>
+              <a:rPr lang="en-US" dirty="0">
+                <a:highlight>
+                  <a:srgbClr val="FFFF00"/>
+                </a:highlight>
+              </a:rPr>
+              <a:t>Today’s Attendance password</a:t>
+            </a:r>
+          </a:p>
+          <a:p>
+            <a:r>
+              <a:rPr lang="en-US" sz="4400" dirty="0">
+                <a:highlight>
+                  <a:srgbClr val="FFFF00"/>
+                </a:highlight>
+              </a:rPr>
+              <a:t>__________</a:t>
+            </a:r>
+          </a:p>
+        </p:txBody>
+      </p:sp>
+      <p:pic>
+        <p:nvPicPr>
+          <p:cNvPr id="3" name="Picture 2">
+            <a:extLst>
+              <a:ext uri="{FF2B5EF4-FFF2-40B4-BE49-F238E27FC236}">
+                <a16:creationId xmlns:a16="http://schemas.microsoft.com/office/drawing/2014/main" id="{61A9B3DA-81E4-BD62-DD1E-B7053789AE81}"/>
+              </a:ext>
+            </a:extLst>
+          </p:cNvPr>
+          <p:cNvPicPr>
+            <a:picLocks noChangeAspect="1"/>
+          </p:cNvPicPr>
+          <p:nvPr/>
+        </p:nvPicPr>
+        <p:blipFill>
+          <a:blip r:embed="rId3"/>
+          <a:stretch>
+            <a:fillRect/>
+          </a:stretch>
+        </p:blipFill>
+        <p:spPr>
+          <a:xfrm>
+            <a:off x="6714565" y="1078490"/>
+            <a:ext cx="2429435" cy="2103869"/>
+          </a:xfrm>
+          <a:prstGeom prst="rect">
+            <a:avLst/>
+          </a:prstGeom>
+        </p:spPr>
+      </p:pic>
     </p:spTree>
   </p:cSld>
   <p:clrMapOvr>
@@ -9758,6 +9854,15 @@
 </file>
 
 <file path=customXml/item1.xml><?xml version="1.0" encoding="utf-8"?>
+<?mso-contentType ?>
+<FormTemplates xmlns="http://schemas.microsoft.com/sharepoint/v3/contenttype/forms">
+  <Display>DocumentLibraryForm</Display>
+  <Edit>DocumentLibraryForm</Edit>
+  <New>DocumentLibraryForm</New>
+</FormTemplates>
+</file>
+
+<file path=customXml/item2.xml><?xml version="1.0" encoding="utf-8"?>
 <ct:contentTypeSchema xmlns:ct="http://schemas.microsoft.com/office/2006/metadata/contentType" xmlns:ma="http://schemas.microsoft.com/office/2006/metadata/properties/metaAttributes" ct:_="" ma:_="" ma:contentTypeName="Document" ma:contentTypeID="0x0101004285D81DBE5F5A448E892B34D6B8CF20" ma:contentTypeVersion="8" ma:contentTypeDescription="Create a new document." ma:contentTypeScope="" ma:versionID="ecce54155d2ea7caa9aed06c8b6b9867">
   <xsd:schema xmlns:xsd="http://www.w3.org/2001/XMLSchema" xmlns:xs="http://www.w3.org/2001/XMLSchema" xmlns:p="http://schemas.microsoft.com/office/2006/metadata/properties" xmlns:ns2="08600313-7276-4ca7-b5d3-7d86193ee0ac" xmlns:ns3="820f9cb1-409d-4c4b-8197-1d4f7dd48124" targetNamespace="http://schemas.microsoft.com/office/2006/metadata/properties" ma:root="true" ma:fieldsID="bfd7385540b70b2fe84ac888cc214377" ns2:_="" ns3:_="">
     <xsd:import namespace="08600313-7276-4ca7-b5d3-7d86193ee0ac"/>
@@ -9934,15 +10039,6 @@
 </ct:contentTypeSchema>
 </file>
 
-<file path=customXml/item2.xml><?xml version="1.0" encoding="utf-8"?>
-<?mso-contentType ?>
-<FormTemplates xmlns="http://schemas.microsoft.com/sharepoint/v3/contenttype/forms">
-  <Display>DocumentLibraryForm</Display>
-  <Edit>DocumentLibraryForm</Edit>
-  <New>DocumentLibraryForm</New>
-</FormTemplates>
-</file>
-
 <file path=customXml/item3.xml><?xml version="1.0" encoding="utf-8"?>
 <p:properties xmlns:p="http://schemas.microsoft.com/office/2006/metadata/properties" xmlns:xsi="http://www.w3.org/2001/XMLSchema-instance" xmlns:pc="http://schemas.microsoft.com/office/infopath/2007/PartnerControls">
   <documentManagement>
@@ -9955,13 +10051,28 @@
 </file>
 
 <file path=customXml/itemProps1.xml><?xml version="1.0" encoding="utf-8"?>
-<ds:datastoreItem xmlns:ds="http://schemas.openxmlformats.org/officeDocument/2006/customXml" ds:itemID="{749915E0-C9C6-4DE7-A4C1-4F6BBE656611}"/>
+<ds:datastoreItem xmlns:ds="http://schemas.openxmlformats.org/officeDocument/2006/customXml" ds:itemID="{3EBE5BB5-16D8-4951-9C8D-E0DF199895E2}">
+  <ds:schemaRefs>
+    <ds:schemaRef ds:uri="http://schemas.microsoft.com/sharepoint/v3/contenttype/forms"/>
+  </ds:schemaRefs>
+</ds:datastoreItem>
 </file>
 
 <file path=customXml/itemProps2.xml><?xml version="1.0" encoding="utf-8"?>
-<ds:datastoreItem xmlns:ds="http://schemas.openxmlformats.org/officeDocument/2006/customXml" ds:itemID="{3EBE5BB5-16D8-4951-9C8D-E0DF199895E2}">
+<ds:datastoreItem xmlns:ds="http://schemas.openxmlformats.org/officeDocument/2006/customXml" ds:itemID="{749915E0-C9C6-4DE7-A4C1-4F6BBE656611}">
   <ds:schemaRefs>
-    <ds:schemaRef ds:uri="http://schemas.microsoft.com/sharepoint/v3/contenttype/forms"/>
+    <ds:schemaRef ds:uri="http://schemas.microsoft.com/office/2006/metadata/contentType"/>
+    <ds:schemaRef ds:uri="http://schemas.microsoft.com/office/2006/metadata/properties/metaAttributes"/>
+    <ds:schemaRef ds:uri="http://www.w3.org/2001/XMLSchema"/>
+    <ds:schemaRef ds:uri="http://schemas.microsoft.com/office/2006/metadata/properties"/>
+    <ds:schemaRef ds:uri="08600313-7276-4ca7-b5d3-7d86193ee0ac"/>
+    <ds:schemaRef ds:uri="820f9cb1-409d-4c4b-8197-1d4f7dd48124"/>
+    <ds:schemaRef ds:uri="http://schemas.microsoft.com/office/2006/documentManagement/types"/>
+    <ds:schemaRef ds:uri="http://schemas.microsoft.com/office/infopath/2007/PartnerControls"/>
+    <ds:schemaRef ds:uri="http://schemas.openxmlformats.org/package/2006/metadata/core-properties"/>
+    <ds:schemaRef ds:uri="http://purl.org/dc/elements/1.1/"/>
+    <ds:schemaRef ds:uri="http://purl.org/dc/terms/"/>
+    <ds:schemaRef ds:uri="http://schemas.microsoft.com/internal/obd"/>
   </ds:schemaRefs>
 </ds:datastoreItem>
 </file>
@@ -9971,6 +10082,8 @@
   <ds:schemaRefs>
     <ds:schemaRef ds:uri="http://schemas.microsoft.com/office/2006/metadata/properties"/>
     <ds:schemaRef ds:uri="http://schemas.microsoft.com/office/infopath/2007/PartnerControls"/>
+    <ds:schemaRef ds:uri="820f9cb1-409d-4c4b-8197-1d4f7dd48124"/>
+    <ds:schemaRef ds:uri="08600313-7276-4ca7-b5d3-7d86193ee0ac"/>
   </ds:schemaRefs>
 </ds:datastoreItem>
 </file>
--- a/ClassMaterials/OOAndExceptions/Slides/Part1-UML-Review.pptx
+++ b/ClassMaterials/OOAndExceptions/Slides/Part1-UML-Review.pptx
@@ -121,14 +121,6 @@
 </p:presentation>
 </file>
 
-<file path=ppt/revisionInfo.xml><?xml version="1.0" encoding="utf-8"?>
-<p1510:revInfo xmlns:a="http://schemas.openxmlformats.org/drawingml/2006/main" xmlns:r="http://schemas.openxmlformats.org/officeDocument/2006/relationships" xmlns:p1510="http://schemas.microsoft.com/office/powerpoint/2015/10/main">
-  <p1510:revLst>
-    <p1510:client id="{82397B87-1CCA-4427-B128-DA215A00F860}" v="2" dt="2021-10-26T12:21:53.591"/>
-  </p1510:revLst>
-</p1510:revInfo>
-</file>
-
 <file path=ppt/changesInfos/changesInfo1.xml><?xml version="1.0" encoding="utf-8"?>
 <pc:chgInfo xmlns:a="http://schemas.openxmlformats.org/drawingml/2006/main" xmlns:r="http://schemas.openxmlformats.org/officeDocument/2006/relationships" xmlns:ac="http://schemas.microsoft.com/office/drawing/2013/main/command" xmlns:pc="http://schemas.microsoft.com/office/powerpoint/2013/main/command">
   <pc:docChgLst>
@@ -150,6 +142,30 @@
             <pc:docMk/>
             <pc:sldMk cId="2497465916" sldId="280"/>
             <ac:spMk id="129" creationId="{00000000-0000-0000-0000-000000000000}"/>
+          </ac:spMkLst>
+        </pc:spChg>
+      </pc:sldChg>
+    </pc:docChg>
+  </pc:docChgLst>
+  <pc:docChgLst>
+    <pc:chgData name="Yoder, Jason" userId="28f4d4d8-da04-4f86-b14d-a21675737bc5" providerId="ADAL" clId="{3558631D-8DC0-421F-88BC-484594AB89BF}"/>
+    <pc:docChg chg="modSld">
+      <pc:chgData name="Yoder, Jason" userId="28f4d4d8-da04-4f86-b14d-a21675737bc5" providerId="ADAL" clId="{3558631D-8DC0-421F-88BC-484594AB89BF}" dt="2023-09-03T17:52:43.368" v="14" actId="20577"/>
+      <pc:docMkLst>
+        <pc:docMk/>
+      </pc:docMkLst>
+      <pc:sldChg chg="modSp mod">
+        <pc:chgData name="Yoder, Jason" userId="28f4d4d8-da04-4f86-b14d-a21675737bc5" providerId="ADAL" clId="{3558631D-8DC0-421F-88BC-484594AB89BF}" dt="2023-09-03T17:52:43.368" v="14" actId="20577"/>
+        <pc:sldMkLst>
+          <pc:docMk/>
+          <pc:sldMk cId="0" sldId="256"/>
+        </pc:sldMkLst>
+        <pc:spChg chg="mod">
+          <ac:chgData name="Yoder, Jason" userId="28f4d4d8-da04-4f86-b14d-a21675737bc5" providerId="ADAL" clId="{3558631D-8DC0-421F-88BC-484594AB89BF}" dt="2023-09-03T17:52:43.368" v="14" actId="20577"/>
+          <ac:spMkLst>
+            <pc:docMk/>
+            <pc:sldMk cId="0" sldId="256"/>
+            <ac:spMk id="2" creationId="{0BB695EC-421F-32CE-A5DD-39A0356C8DD8}"/>
           </ac:spMkLst>
         </pc:spChg>
       </pc:sldChg>
@@ -5396,13 +5412,18 @@
           </a:p>
           <a:p>
             <a:r>
-              <a:rPr lang="en-US" sz="4400" dirty="0">
+              <a:rPr lang="en-US" sz="4400" dirty="0" err="1">
                 <a:highlight>
                   <a:srgbClr val="FFFF00"/>
                 </a:highlight>
               </a:rPr>
-              <a:t>__________</a:t>
-            </a:r>
+              <a:t>errorsasobjects</a:t>
+            </a:r>
+            <a:endParaRPr lang="en-US" sz="4400" dirty="0">
+              <a:highlight>
+                <a:srgbClr val="FFFF00"/>
+              </a:highlight>
+            </a:endParaRPr>
           </a:p>
         </p:txBody>
       </p:sp>
@@ -6602,6 +6623,13 @@
           </a:effectRef>
           <a:fontRef idx="minor"/>
         </p:style>
+        <p:txBody>
+          <a:bodyPr/>
+          <a:lstStyle/>
+          <a:p>
+            <a:endParaRPr lang="en-US"/>
+          </a:p>
+        </p:txBody>
       </p:sp>
       <p:sp>
         <p:nvSpPr>
@@ -6652,6 +6680,13 @@
           </a:effectRef>
           <a:fontRef idx="minor"/>
         </p:style>
+        <p:txBody>
+          <a:bodyPr/>
+          <a:lstStyle/>
+          <a:p>
+            <a:endParaRPr lang="en-US"/>
+          </a:p>
+        </p:txBody>
       </p:sp>
       <p:sp>
         <p:nvSpPr>
@@ -7367,6 +7402,13 @@
           </a:effectRef>
           <a:fontRef idx="minor"/>
         </p:style>
+        <p:txBody>
+          <a:bodyPr/>
+          <a:lstStyle/>
+          <a:p>
+            <a:endParaRPr lang="en-US"/>
+          </a:p>
+        </p:txBody>
       </p:sp>
       <p:sp>
         <p:nvSpPr>
@@ -7417,6 +7459,13 @@
           </a:effectRef>
           <a:fontRef idx="minor"/>
         </p:style>
+        <p:txBody>
+          <a:bodyPr/>
+          <a:lstStyle/>
+          <a:p>
+            <a:endParaRPr lang="en-US"/>
+          </a:p>
+        </p:txBody>
       </p:sp>
       <p:sp>
         <p:nvSpPr>
@@ -9854,12 +9903,14 @@
 </file>
 
 <file path=customXml/item1.xml><?xml version="1.0" encoding="utf-8"?>
-<?mso-contentType ?>
-<FormTemplates xmlns="http://schemas.microsoft.com/sharepoint/v3/contenttype/forms">
-  <Display>DocumentLibraryForm</Display>
-  <Edit>DocumentLibraryForm</Edit>
-  <New>DocumentLibraryForm</New>
-</FormTemplates>
+<p:properties xmlns:p="http://schemas.microsoft.com/office/2006/metadata/properties" xmlns:xsi="http://www.w3.org/2001/XMLSchema-instance" xmlns:pc="http://schemas.microsoft.com/office/infopath/2007/PartnerControls">
+  <documentManagement>
+    <TaxCatchAll xmlns="820f9cb1-409d-4c4b-8197-1d4f7dd48124" xsi:nil="true"/>
+    <lcf76f155ced4ddcb4097134ff3c332f xmlns="08600313-7276-4ca7-b5d3-7d86193ee0ac">
+      <Terms xmlns="http://schemas.microsoft.com/office/infopath/2007/PartnerControls"/>
+    </lcf76f155ced4ddcb4097134ff3c332f>
+  </documentManagement>
+</p:properties>
 </file>
 
 <file path=customXml/item2.xml><?xml version="1.0" encoding="utf-8"?>
@@ -10040,20 +10091,21 @@
 </file>
 
 <file path=customXml/item3.xml><?xml version="1.0" encoding="utf-8"?>
-<p:properties xmlns:p="http://schemas.microsoft.com/office/2006/metadata/properties" xmlns:xsi="http://www.w3.org/2001/XMLSchema-instance" xmlns:pc="http://schemas.microsoft.com/office/infopath/2007/PartnerControls">
-  <documentManagement>
-    <TaxCatchAll xmlns="820f9cb1-409d-4c4b-8197-1d4f7dd48124" xsi:nil="true"/>
-    <lcf76f155ced4ddcb4097134ff3c332f xmlns="08600313-7276-4ca7-b5d3-7d86193ee0ac">
-      <Terms xmlns="http://schemas.microsoft.com/office/infopath/2007/PartnerControls"/>
-    </lcf76f155ced4ddcb4097134ff3c332f>
-  </documentManagement>
-</p:properties>
+<?mso-contentType ?>
+<FormTemplates xmlns="http://schemas.microsoft.com/sharepoint/v3/contenttype/forms">
+  <Display>DocumentLibraryForm</Display>
+  <Edit>DocumentLibraryForm</Edit>
+  <New>DocumentLibraryForm</New>
+</FormTemplates>
 </file>
 
 <file path=customXml/itemProps1.xml><?xml version="1.0" encoding="utf-8"?>
-<ds:datastoreItem xmlns:ds="http://schemas.openxmlformats.org/officeDocument/2006/customXml" ds:itemID="{3EBE5BB5-16D8-4951-9C8D-E0DF199895E2}">
+<ds:datastoreItem xmlns:ds="http://schemas.openxmlformats.org/officeDocument/2006/customXml" ds:itemID="{5634EF7E-5EA3-49C2-BE7A-FEA82609F7D8}">
   <ds:schemaRefs>
-    <ds:schemaRef ds:uri="http://schemas.microsoft.com/sharepoint/v3/contenttype/forms"/>
+    <ds:schemaRef ds:uri="http://schemas.microsoft.com/office/2006/metadata/properties"/>
+    <ds:schemaRef ds:uri="http://schemas.microsoft.com/office/infopath/2007/PartnerControls"/>
+    <ds:schemaRef ds:uri="820f9cb1-409d-4c4b-8197-1d4f7dd48124"/>
+    <ds:schemaRef ds:uri="08600313-7276-4ca7-b5d3-7d86193ee0ac"/>
   </ds:schemaRefs>
 </ds:datastoreItem>
 </file>
@@ -10078,12 +10130,9 @@
 </file>
 
 <file path=customXml/itemProps3.xml><?xml version="1.0" encoding="utf-8"?>
-<ds:datastoreItem xmlns:ds="http://schemas.openxmlformats.org/officeDocument/2006/customXml" ds:itemID="{5634EF7E-5EA3-49C2-BE7A-FEA82609F7D8}">
+<ds:datastoreItem xmlns:ds="http://schemas.openxmlformats.org/officeDocument/2006/customXml" ds:itemID="{3EBE5BB5-16D8-4951-9C8D-E0DF199895E2}">
   <ds:schemaRefs>
-    <ds:schemaRef ds:uri="http://schemas.microsoft.com/office/2006/metadata/properties"/>
-    <ds:schemaRef ds:uri="http://schemas.microsoft.com/office/infopath/2007/PartnerControls"/>
-    <ds:schemaRef ds:uri="820f9cb1-409d-4c4b-8197-1d4f7dd48124"/>
-    <ds:schemaRef ds:uri="08600313-7276-4ca7-b5d3-7d86193ee0ac"/>
+    <ds:schemaRef ds:uri="http://schemas.microsoft.com/sharepoint/v3/contenttype/forms"/>
   </ds:schemaRefs>
 </ds:datastoreItem>
 </file>
--- a/ClassMaterials/OOAndExceptions/Slides/Part1-UML-Review.pptx
+++ b/ClassMaterials/OOAndExceptions/Slides/Part1-UML-Review.pptx
@@ -121,6 +121,14 @@
 </p:presentation>
 </file>
 
+<file path=ppt/revisionInfo.xml><?xml version="1.0" encoding="utf-8"?>
+<p1510:revInfo xmlns:a="http://schemas.openxmlformats.org/drawingml/2006/main" xmlns:r="http://schemas.openxmlformats.org/officeDocument/2006/relationships" xmlns:p1510="http://schemas.microsoft.com/office/powerpoint/2015/10/main">
+  <p1510:revLst>
+    <p1510:client id="{82397B87-1CCA-4427-B128-DA215A00F860}" v="2" dt="2021-10-26T12:21:53.591"/>
+  </p1510:revLst>
+</p1510:revInfo>
+</file>
+
 <file path=ppt/changesInfos/changesInfo1.xml><?xml version="1.0" encoding="utf-8"?>
 <pc:chgInfo xmlns:a="http://schemas.openxmlformats.org/drawingml/2006/main" xmlns:r="http://schemas.openxmlformats.org/officeDocument/2006/relationships" xmlns:ac="http://schemas.microsoft.com/office/drawing/2013/main/command" xmlns:pc="http://schemas.microsoft.com/office/powerpoint/2013/main/command">
   <pc:docChgLst>
@@ -142,30 +150,6 @@
             <pc:docMk/>
             <pc:sldMk cId="2497465916" sldId="280"/>
             <ac:spMk id="129" creationId="{00000000-0000-0000-0000-000000000000}"/>
-          </ac:spMkLst>
-        </pc:spChg>
-      </pc:sldChg>
-    </pc:docChg>
-  </pc:docChgLst>
-  <pc:docChgLst>
-    <pc:chgData name="Yoder, Jason" userId="28f4d4d8-da04-4f86-b14d-a21675737bc5" providerId="ADAL" clId="{3558631D-8DC0-421F-88BC-484594AB89BF}"/>
-    <pc:docChg chg="modSld">
-      <pc:chgData name="Yoder, Jason" userId="28f4d4d8-da04-4f86-b14d-a21675737bc5" providerId="ADAL" clId="{3558631D-8DC0-421F-88BC-484594AB89BF}" dt="2023-09-03T17:52:43.368" v="14" actId="20577"/>
-      <pc:docMkLst>
-        <pc:docMk/>
-      </pc:docMkLst>
-      <pc:sldChg chg="modSp mod">
-        <pc:chgData name="Yoder, Jason" userId="28f4d4d8-da04-4f86-b14d-a21675737bc5" providerId="ADAL" clId="{3558631D-8DC0-421F-88BC-484594AB89BF}" dt="2023-09-03T17:52:43.368" v="14" actId="20577"/>
-        <pc:sldMkLst>
-          <pc:docMk/>
-          <pc:sldMk cId="0" sldId="256"/>
-        </pc:sldMkLst>
-        <pc:spChg chg="mod">
-          <ac:chgData name="Yoder, Jason" userId="28f4d4d8-da04-4f86-b14d-a21675737bc5" providerId="ADAL" clId="{3558631D-8DC0-421F-88BC-484594AB89BF}" dt="2023-09-03T17:52:43.368" v="14" actId="20577"/>
-          <ac:spMkLst>
-            <pc:docMk/>
-            <pc:sldMk cId="0" sldId="256"/>
-            <ac:spMk id="2" creationId="{0BB695EC-421F-32CE-A5DD-39A0356C8DD8}"/>
           </ac:spMkLst>
         </pc:spChg>
       </pc:sldChg>
@@ -5412,18 +5396,13 @@
           </a:p>
           <a:p>
             <a:r>
-              <a:rPr lang="en-US" sz="4400" dirty="0" err="1">
+              <a:rPr lang="en-US" sz="4400" dirty="0">
                 <a:highlight>
                   <a:srgbClr val="FFFF00"/>
                 </a:highlight>
               </a:rPr>
-              <a:t>errorsasobjects</a:t>
-            </a:r>
-            <a:endParaRPr lang="en-US" sz="4400" dirty="0">
-              <a:highlight>
-                <a:srgbClr val="FFFF00"/>
-              </a:highlight>
-            </a:endParaRPr>
+              <a:t>__________</a:t>
+            </a:r>
           </a:p>
         </p:txBody>
       </p:sp>
@@ -6623,13 +6602,6 @@
           </a:effectRef>
           <a:fontRef idx="minor"/>
         </p:style>
-        <p:txBody>
-          <a:bodyPr/>
-          <a:lstStyle/>
-          <a:p>
-            <a:endParaRPr lang="en-US"/>
-          </a:p>
-        </p:txBody>
       </p:sp>
       <p:sp>
         <p:nvSpPr>
@@ -6680,13 +6652,6 @@
           </a:effectRef>
           <a:fontRef idx="minor"/>
         </p:style>
-        <p:txBody>
-          <a:bodyPr/>
-          <a:lstStyle/>
-          <a:p>
-            <a:endParaRPr lang="en-US"/>
-          </a:p>
-        </p:txBody>
       </p:sp>
       <p:sp>
         <p:nvSpPr>
@@ -7402,13 +7367,6 @@
           </a:effectRef>
           <a:fontRef idx="minor"/>
         </p:style>
-        <p:txBody>
-          <a:bodyPr/>
-          <a:lstStyle/>
-          <a:p>
-            <a:endParaRPr lang="en-US"/>
-          </a:p>
-        </p:txBody>
       </p:sp>
       <p:sp>
         <p:nvSpPr>
@@ -7459,13 +7417,6 @@
           </a:effectRef>
           <a:fontRef idx="minor"/>
         </p:style>
-        <p:txBody>
-          <a:bodyPr/>
-          <a:lstStyle/>
-          <a:p>
-            <a:endParaRPr lang="en-US"/>
-          </a:p>
-        </p:txBody>
       </p:sp>
       <p:sp>
         <p:nvSpPr>
@@ -9903,14 +9854,12 @@
 </file>
 
 <file path=customXml/item1.xml><?xml version="1.0" encoding="utf-8"?>
-<p:properties xmlns:p="http://schemas.microsoft.com/office/2006/metadata/properties" xmlns:xsi="http://www.w3.org/2001/XMLSchema-instance" xmlns:pc="http://schemas.microsoft.com/office/infopath/2007/PartnerControls">
-  <documentManagement>
-    <TaxCatchAll xmlns="820f9cb1-409d-4c4b-8197-1d4f7dd48124" xsi:nil="true"/>
-    <lcf76f155ced4ddcb4097134ff3c332f xmlns="08600313-7276-4ca7-b5d3-7d86193ee0ac">
-      <Terms xmlns="http://schemas.microsoft.com/office/infopath/2007/PartnerControls"/>
-    </lcf76f155ced4ddcb4097134ff3c332f>
-  </documentManagement>
-</p:properties>
+<?mso-contentType ?>
+<FormTemplates xmlns="http://schemas.microsoft.com/sharepoint/v3/contenttype/forms">
+  <Display>DocumentLibraryForm</Display>
+  <Edit>DocumentLibraryForm</Edit>
+  <New>DocumentLibraryForm</New>
+</FormTemplates>
 </file>
 
 <file path=customXml/item2.xml><?xml version="1.0" encoding="utf-8"?>
@@ -10091,21 +10040,20 @@
 </file>
 
 <file path=customXml/item3.xml><?xml version="1.0" encoding="utf-8"?>
-<?mso-contentType ?>
-<FormTemplates xmlns="http://schemas.microsoft.com/sharepoint/v3/contenttype/forms">
-  <Display>DocumentLibraryForm</Display>
-  <Edit>DocumentLibraryForm</Edit>
-  <New>DocumentLibraryForm</New>
-</FormTemplates>
+<p:properties xmlns:p="http://schemas.microsoft.com/office/2006/metadata/properties" xmlns:xsi="http://www.w3.org/2001/XMLSchema-instance" xmlns:pc="http://schemas.microsoft.com/office/infopath/2007/PartnerControls">
+  <documentManagement>
+    <TaxCatchAll xmlns="820f9cb1-409d-4c4b-8197-1d4f7dd48124" xsi:nil="true"/>
+    <lcf76f155ced4ddcb4097134ff3c332f xmlns="08600313-7276-4ca7-b5d3-7d86193ee0ac">
+      <Terms xmlns="http://schemas.microsoft.com/office/infopath/2007/PartnerControls"/>
+    </lcf76f155ced4ddcb4097134ff3c332f>
+  </documentManagement>
+</p:properties>
 </file>
 
 <file path=customXml/itemProps1.xml><?xml version="1.0" encoding="utf-8"?>
-<ds:datastoreItem xmlns:ds="http://schemas.openxmlformats.org/officeDocument/2006/customXml" ds:itemID="{5634EF7E-5EA3-49C2-BE7A-FEA82609F7D8}">
+<ds:datastoreItem xmlns:ds="http://schemas.openxmlformats.org/officeDocument/2006/customXml" ds:itemID="{3EBE5BB5-16D8-4951-9C8D-E0DF199895E2}">
   <ds:schemaRefs>
-    <ds:schemaRef ds:uri="http://schemas.microsoft.com/office/2006/metadata/properties"/>
-    <ds:schemaRef ds:uri="http://schemas.microsoft.com/office/infopath/2007/PartnerControls"/>
-    <ds:schemaRef ds:uri="820f9cb1-409d-4c4b-8197-1d4f7dd48124"/>
-    <ds:schemaRef ds:uri="08600313-7276-4ca7-b5d3-7d86193ee0ac"/>
+    <ds:schemaRef ds:uri="http://schemas.microsoft.com/sharepoint/v3/contenttype/forms"/>
   </ds:schemaRefs>
 </ds:datastoreItem>
 </file>
@@ -10130,9 +10078,12 @@
 </file>
 
 <file path=customXml/itemProps3.xml><?xml version="1.0" encoding="utf-8"?>
-<ds:datastoreItem xmlns:ds="http://schemas.openxmlformats.org/officeDocument/2006/customXml" ds:itemID="{3EBE5BB5-16D8-4951-9C8D-E0DF199895E2}">
+<ds:datastoreItem xmlns:ds="http://schemas.openxmlformats.org/officeDocument/2006/customXml" ds:itemID="{5634EF7E-5EA3-49C2-BE7A-FEA82609F7D8}">
   <ds:schemaRefs>
-    <ds:schemaRef ds:uri="http://schemas.microsoft.com/sharepoint/v3/contenttype/forms"/>
+    <ds:schemaRef ds:uri="http://schemas.microsoft.com/office/2006/metadata/properties"/>
+    <ds:schemaRef ds:uri="http://schemas.microsoft.com/office/infopath/2007/PartnerControls"/>
+    <ds:schemaRef ds:uri="820f9cb1-409d-4c4b-8197-1d4f7dd48124"/>
+    <ds:schemaRef ds:uri="08600313-7276-4ca7-b5d3-7d86193ee0ac"/>
   </ds:schemaRefs>
 </ds:datastoreItem>
 </file>
--- a/ClassMaterials/OOAndExceptions/Slides/Part1-UML-Review.pptx
+++ b/ClassMaterials/OOAndExceptions/Slides/Part1-UML-Review.pptx
@@ -121,16 +121,32 @@
 </p:presentation>
 </file>
 
-<file path=ppt/revisionInfo.xml><?xml version="1.0" encoding="utf-8"?>
-<p1510:revInfo xmlns:a="http://schemas.openxmlformats.org/drawingml/2006/main" xmlns:r="http://schemas.openxmlformats.org/officeDocument/2006/relationships" xmlns:p1510="http://schemas.microsoft.com/office/powerpoint/2015/10/main">
-  <p1510:revLst>
-    <p1510:client id="{82397B87-1CCA-4427-B128-DA215A00F860}" v="2" dt="2021-10-26T12:21:53.591"/>
-  </p1510:revLst>
-</p1510:revInfo>
-</file>
-
 <file path=ppt/changesInfos/changesInfo1.xml><?xml version="1.0" encoding="utf-8"?>
 <pc:chgInfo xmlns:a="http://schemas.openxmlformats.org/drawingml/2006/main" xmlns:r="http://schemas.openxmlformats.org/officeDocument/2006/relationships" xmlns:ac="http://schemas.microsoft.com/office/drawing/2013/main/command" xmlns:pc="http://schemas.microsoft.com/office/powerpoint/2013/main/command">
+  <pc:docChgLst>
+    <pc:chgData name="Yoder, Jason" userId="28f4d4d8-da04-4f86-b14d-a21675737bc5" providerId="ADAL" clId="{85A5279C-5872-4ABE-BADC-65534625BCA5}"/>
+    <pc:docChg chg="modSld">
+      <pc:chgData name="Yoder, Jason" userId="28f4d4d8-da04-4f86-b14d-a21675737bc5" providerId="ADAL" clId="{85A5279C-5872-4ABE-BADC-65534625BCA5}" dt="2023-11-21T17:27:47.443" v="45" actId="1076"/>
+      <pc:docMkLst>
+        <pc:docMk/>
+      </pc:docMkLst>
+      <pc:sldChg chg="modSp mod">
+        <pc:chgData name="Yoder, Jason" userId="28f4d4d8-da04-4f86-b14d-a21675737bc5" providerId="ADAL" clId="{85A5279C-5872-4ABE-BADC-65534625BCA5}" dt="2023-11-21T17:27:47.443" v="45" actId="1076"/>
+        <pc:sldMkLst>
+          <pc:docMk/>
+          <pc:sldMk cId="0" sldId="256"/>
+        </pc:sldMkLst>
+        <pc:spChg chg="mod">
+          <ac:chgData name="Yoder, Jason" userId="28f4d4d8-da04-4f86-b14d-a21675737bc5" providerId="ADAL" clId="{85A5279C-5872-4ABE-BADC-65534625BCA5}" dt="2023-11-21T17:27:47.443" v="45" actId="1076"/>
+          <ac:spMkLst>
+            <pc:docMk/>
+            <pc:sldMk cId="0" sldId="256"/>
+            <ac:spMk id="6" creationId="{A91D2F55-F765-C74E-8E61-F43E815804EE}"/>
+          </ac:spMkLst>
+        </pc:spChg>
+      </pc:sldChg>
+    </pc:docChg>
+  </pc:docChgLst>
   <pc:docChgLst>
     <pc:chgData name="Dorsey, Cameron" userId="S::dorseycs@rose-hulman.edu::e3fdc538-7733-41a8-91e6-3ff377dfa323" providerId="AD" clId="Web-{82397B87-1CCA-4427-B128-DA215A00F860}"/>
     <pc:docChg chg="modSld">
@@ -5250,8 +5266,8 @@
         </p:nvSpPr>
         <p:spPr>
           <a:xfrm>
-            <a:off x="304260" y="4820820"/>
-            <a:ext cx="8534400" cy="1751400"/>
+            <a:off x="304800" y="4411233"/>
+            <a:ext cx="8534400" cy="2278377"/>
           </a:xfrm>
           <a:prstGeom prst="rect">
             <a:avLst/>
@@ -5333,8 +5349,45 @@
               <a:buChar char="•"/>
             </a:pPr>
             <a:r>
-              <a:rPr lang="en-US" sz="2400" i="1"/>
+              <a:rPr lang="en-US" sz="2400" i="1" dirty="0" err="1"/>
               <a:t>PracticeFilesAndExceptionsTooManyScoresSolution</a:t>
+            </a:r>
+            <a:endParaRPr lang="en-US" sz="2400" i="1" dirty="0"/>
+          </a:p>
+          <a:p>
+            <a:r>
+              <a:rPr lang="en-US" sz="2400" dirty="0">
+                <a:solidFill>
+                  <a:srgbClr val="FFFFFF"/>
+                </a:solidFill>
+              </a:rPr>
+              <a:t>The </a:t>
+            </a:r>
+            <a:r>
+              <a:rPr lang="en-US" sz="2400" i="1" dirty="0">
+                <a:solidFill>
+                  <a:srgbClr val="FFFFFF"/>
+                </a:solidFill>
+              </a:rPr>
+              <a:t>Quiz</a:t>
+            </a:r>
+            <a:r>
+              <a:rPr lang="en-US" sz="2400" dirty="0">
+                <a:solidFill>
+                  <a:srgbClr val="FFFFFF"/>
+                </a:solidFill>
+              </a:rPr>
+              <a:t> for today is:</a:t>
+            </a:r>
+          </a:p>
+          <a:p>
+            <a:pPr marL="342900" indent="-342900">
+              <a:buFont typeface="Arial" panose="020B0604020202020204" pitchFamily="34" charset="0"/>
+              <a:buChar char="•"/>
+            </a:pPr>
+            <a:r>
+              <a:rPr lang="en-US" sz="2400" i="1" dirty="0" err="1"/>
+              <a:t>OOAndExceptionsQuiz</a:t>
             </a:r>
             <a:endParaRPr lang="en-US" sz="2400" i="1" dirty="0"/>
           </a:p>
@@ -6602,6 +6655,13 @@
           </a:effectRef>
           <a:fontRef idx="minor"/>
         </p:style>
+        <p:txBody>
+          <a:bodyPr/>
+          <a:lstStyle/>
+          <a:p>
+            <a:endParaRPr lang="en-US"/>
+          </a:p>
+        </p:txBody>
       </p:sp>
       <p:sp>
         <p:nvSpPr>
@@ -6652,6 +6712,13 @@
           </a:effectRef>
           <a:fontRef idx="minor"/>
         </p:style>
+        <p:txBody>
+          <a:bodyPr/>
+          <a:lstStyle/>
+          <a:p>
+            <a:endParaRPr lang="en-US"/>
+          </a:p>
+        </p:txBody>
       </p:sp>
       <p:sp>
         <p:nvSpPr>
@@ -7367,6 +7434,13 @@
           </a:effectRef>
           <a:fontRef idx="minor"/>
         </p:style>
+        <p:txBody>
+          <a:bodyPr/>
+          <a:lstStyle/>
+          <a:p>
+            <a:endParaRPr lang="en-US"/>
+          </a:p>
+        </p:txBody>
       </p:sp>
       <p:sp>
         <p:nvSpPr>
@@ -7417,6 +7491,13 @@
           </a:effectRef>
           <a:fontRef idx="minor"/>
         </p:style>
+        <p:txBody>
+          <a:bodyPr/>
+          <a:lstStyle/>
+          <a:p>
+            <a:endParaRPr lang="en-US"/>
+          </a:p>
+        </p:txBody>
       </p:sp>
       <p:sp>
         <p:nvSpPr>
@@ -9854,12 +9935,14 @@
 </file>
 
 <file path=customXml/item1.xml><?xml version="1.0" encoding="utf-8"?>
-<?mso-contentType ?>
-<FormTemplates xmlns="http://schemas.microsoft.com/sharepoint/v3/contenttype/forms">
-  <Display>DocumentLibraryForm</Display>
-  <Edit>DocumentLibraryForm</Edit>
-  <New>DocumentLibraryForm</New>
-</FormTemplates>
+<p:properties xmlns:p="http://schemas.microsoft.com/office/2006/metadata/properties" xmlns:xsi="http://www.w3.org/2001/XMLSchema-instance" xmlns:pc="http://schemas.microsoft.com/office/infopath/2007/PartnerControls">
+  <documentManagement>
+    <TaxCatchAll xmlns="820f9cb1-409d-4c4b-8197-1d4f7dd48124" xsi:nil="true"/>
+    <lcf76f155ced4ddcb4097134ff3c332f xmlns="08600313-7276-4ca7-b5d3-7d86193ee0ac">
+      <Terms xmlns="http://schemas.microsoft.com/office/infopath/2007/PartnerControls"/>
+    </lcf76f155ced4ddcb4097134ff3c332f>
+  </documentManagement>
+</p:properties>
 </file>
 
 <file path=customXml/item2.xml><?xml version="1.0" encoding="utf-8"?>
@@ -10040,20 +10123,21 @@
 </file>
 
 <file path=customXml/item3.xml><?xml version="1.0" encoding="utf-8"?>
-<p:properties xmlns:p="http://schemas.microsoft.com/office/2006/metadata/properties" xmlns:xsi="http://www.w3.org/2001/XMLSchema-instance" xmlns:pc="http://schemas.microsoft.com/office/infopath/2007/PartnerControls">
-  <documentManagement>
-    <TaxCatchAll xmlns="820f9cb1-409d-4c4b-8197-1d4f7dd48124" xsi:nil="true"/>
-    <lcf76f155ced4ddcb4097134ff3c332f xmlns="08600313-7276-4ca7-b5d3-7d86193ee0ac">
-      <Terms xmlns="http://schemas.microsoft.com/office/infopath/2007/PartnerControls"/>
-    </lcf76f155ced4ddcb4097134ff3c332f>
-  </documentManagement>
-</p:properties>
+<?mso-contentType ?>
+<FormTemplates xmlns="http://schemas.microsoft.com/sharepoint/v3/contenttype/forms">
+  <Display>DocumentLibraryForm</Display>
+  <Edit>DocumentLibraryForm</Edit>
+  <New>DocumentLibraryForm</New>
+</FormTemplates>
 </file>
 
 <file path=customXml/itemProps1.xml><?xml version="1.0" encoding="utf-8"?>
-<ds:datastoreItem xmlns:ds="http://schemas.openxmlformats.org/officeDocument/2006/customXml" ds:itemID="{3EBE5BB5-16D8-4951-9C8D-E0DF199895E2}">
+<ds:datastoreItem xmlns:ds="http://schemas.openxmlformats.org/officeDocument/2006/customXml" ds:itemID="{5634EF7E-5EA3-49C2-BE7A-FEA82609F7D8}">
   <ds:schemaRefs>
-    <ds:schemaRef ds:uri="http://schemas.microsoft.com/sharepoint/v3/contenttype/forms"/>
+    <ds:schemaRef ds:uri="http://schemas.microsoft.com/office/2006/metadata/properties"/>
+    <ds:schemaRef ds:uri="http://schemas.microsoft.com/office/infopath/2007/PartnerControls"/>
+    <ds:schemaRef ds:uri="820f9cb1-409d-4c4b-8197-1d4f7dd48124"/>
+    <ds:schemaRef ds:uri="08600313-7276-4ca7-b5d3-7d86193ee0ac"/>
   </ds:schemaRefs>
 </ds:datastoreItem>
 </file>
@@ -10078,12 +10162,9 @@
 </file>
 
 <file path=customXml/itemProps3.xml><?xml version="1.0" encoding="utf-8"?>
-<ds:datastoreItem xmlns:ds="http://schemas.openxmlformats.org/officeDocument/2006/customXml" ds:itemID="{5634EF7E-5EA3-49C2-BE7A-FEA82609F7D8}">
+<ds:datastoreItem xmlns:ds="http://schemas.openxmlformats.org/officeDocument/2006/customXml" ds:itemID="{3EBE5BB5-16D8-4951-9C8D-E0DF199895E2}">
   <ds:schemaRefs>
-    <ds:schemaRef ds:uri="http://schemas.microsoft.com/office/2006/metadata/properties"/>
-    <ds:schemaRef ds:uri="http://schemas.microsoft.com/office/infopath/2007/PartnerControls"/>
-    <ds:schemaRef ds:uri="820f9cb1-409d-4c4b-8197-1d4f7dd48124"/>
-    <ds:schemaRef ds:uri="08600313-7276-4ca7-b5d3-7d86193ee0ac"/>
+    <ds:schemaRef ds:uri="http://schemas.microsoft.com/sharepoint/v3/contenttype/forms"/>
   </ds:schemaRefs>
 </ds:datastoreItem>
 </file>
--- a/ClassMaterials/OOAndExceptions/Slides/Part1-UML-Review.pptx
+++ b/ClassMaterials/OOAndExceptions/Slides/Part1-UML-Review.pptx
@@ -5266,8 +5266,8 @@
         </p:nvSpPr>
         <p:spPr>
           <a:xfrm>
-            <a:off x="304800" y="4411233"/>
-            <a:ext cx="8534400" cy="2278377"/>
+            <a:off x="304800" y="4661263"/>
+            <a:ext cx="8534400" cy="2028347"/>
           </a:xfrm>
           <a:prstGeom prst="rect">
             <a:avLst/>
@@ -5344,17 +5344,6 @@
             <a:endParaRPr lang="en-US" sz="2400" i="1" dirty="0"/>
           </a:p>
           <a:p>
-            <a:pPr marL="342900" indent="-342900">
-              <a:buFont typeface="Arial" panose="020B0604020202020204" pitchFamily="34" charset="0"/>
-              <a:buChar char="•"/>
-            </a:pPr>
-            <a:r>
-              <a:rPr lang="en-US" sz="2400" i="1" dirty="0" err="1"/>
-              <a:t>PracticeFilesAndExceptionsTooManyScoresSolution</a:t>
-            </a:r>
-            <a:endParaRPr lang="en-US" sz="2400" i="1" dirty="0"/>
-          </a:p>
-          <a:p>
             <a:r>
               <a:rPr lang="en-US" sz="2400" dirty="0">
                 <a:solidFill>
@@ -5454,7 +5443,7 @@
                   <a:srgbClr val="FFFF00"/>
                 </a:highlight>
               </a:rPr>
-              <a:t>__________</a:t>
+              <a:t>___________</a:t>
             </a:r>
           </a:p>
         </p:txBody>
@@ -9935,6 +9924,15 @@
 </file>
 
 <file path=customXml/item1.xml><?xml version="1.0" encoding="utf-8"?>
+<?mso-contentType ?>
+<FormTemplates xmlns="http://schemas.microsoft.com/sharepoint/v3/contenttype/forms">
+  <Display>DocumentLibraryForm</Display>
+  <Edit>DocumentLibraryForm</Edit>
+  <New>DocumentLibraryForm</New>
+</FormTemplates>
+</file>
+
+<file path=customXml/item2.xml><?xml version="1.0" encoding="utf-8"?>
 <p:properties xmlns:p="http://schemas.microsoft.com/office/2006/metadata/properties" xmlns:xsi="http://www.w3.org/2001/XMLSchema-instance" xmlns:pc="http://schemas.microsoft.com/office/infopath/2007/PartnerControls">
   <documentManagement>
     <TaxCatchAll xmlns="820f9cb1-409d-4c4b-8197-1d4f7dd48124" xsi:nil="true"/>
@@ -9945,7 +9943,7 @@
 </p:properties>
 </file>
 
-<file path=customXml/item2.xml><?xml version="1.0" encoding="utf-8"?>
+<file path=customXml/item3.xml><?xml version="1.0" encoding="utf-8"?>
 <ct:contentTypeSchema xmlns:ct="http://schemas.microsoft.com/office/2006/metadata/contentType" xmlns:ma="http://schemas.microsoft.com/office/2006/metadata/properties/metaAttributes" ct:_="" ma:_="" ma:contentTypeName="Document" ma:contentTypeID="0x0101004285D81DBE5F5A448E892B34D6B8CF20" ma:contentTypeVersion="8" ma:contentTypeDescription="Create a new document." ma:contentTypeScope="" ma:versionID="ecce54155d2ea7caa9aed06c8b6b9867">
   <xsd:schema xmlns:xsd="http://www.w3.org/2001/XMLSchema" xmlns:xs="http://www.w3.org/2001/XMLSchema" xmlns:p="http://schemas.microsoft.com/office/2006/metadata/properties" xmlns:ns2="08600313-7276-4ca7-b5d3-7d86193ee0ac" xmlns:ns3="820f9cb1-409d-4c4b-8197-1d4f7dd48124" targetNamespace="http://schemas.microsoft.com/office/2006/metadata/properties" ma:root="true" ma:fieldsID="bfd7385540b70b2fe84ac888cc214377" ns2:_="" ns3:_="">
     <xsd:import namespace="08600313-7276-4ca7-b5d3-7d86193ee0ac"/>
@@ -10122,16 +10120,15 @@
 </ct:contentTypeSchema>
 </file>
 
-<file path=customXml/item3.xml><?xml version="1.0" encoding="utf-8"?>
-<?mso-contentType ?>
-<FormTemplates xmlns="http://schemas.microsoft.com/sharepoint/v3/contenttype/forms">
-  <Display>DocumentLibraryForm</Display>
-  <Edit>DocumentLibraryForm</Edit>
-  <New>DocumentLibraryForm</New>
-</FormTemplates>
+<file path=customXml/itemProps1.xml><?xml version="1.0" encoding="utf-8"?>
+<ds:datastoreItem xmlns:ds="http://schemas.openxmlformats.org/officeDocument/2006/customXml" ds:itemID="{3EBE5BB5-16D8-4951-9C8D-E0DF199895E2}">
+  <ds:schemaRefs>
+    <ds:schemaRef ds:uri="http://schemas.microsoft.com/sharepoint/v3/contenttype/forms"/>
+  </ds:schemaRefs>
+</ds:datastoreItem>
 </file>
 
-<file path=customXml/itemProps1.xml><?xml version="1.0" encoding="utf-8"?>
+<file path=customXml/itemProps2.xml><?xml version="1.0" encoding="utf-8"?>
 <ds:datastoreItem xmlns:ds="http://schemas.openxmlformats.org/officeDocument/2006/customXml" ds:itemID="{5634EF7E-5EA3-49C2-BE7A-FEA82609F7D8}">
   <ds:schemaRefs>
     <ds:schemaRef ds:uri="http://schemas.microsoft.com/office/2006/metadata/properties"/>
@@ -10142,7 +10139,7 @@
 </ds:datastoreItem>
 </file>
 
-<file path=customXml/itemProps2.xml><?xml version="1.0" encoding="utf-8"?>
+<file path=customXml/itemProps3.xml><?xml version="1.0" encoding="utf-8"?>
 <ds:datastoreItem xmlns:ds="http://schemas.openxmlformats.org/officeDocument/2006/customXml" ds:itemID="{749915E0-C9C6-4DE7-A4C1-4F6BBE656611}">
   <ds:schemaRefs>
     <ds:schemaRef ds:uri="http://schemas.microsoft.com/office/2006/metadata/contentType"/>
@@ -10159,12 +10156,4 @@
     <ds:schemaRef ds:uri="http://schemas.microsoft.com/internal/obd"/>
   </ds:schemaRefs>
 </ds:datastoreItem>
-</file>
-
-<file path=customXml/itemProps3.xml><?xml version="1.0" encoding="utf-8"?>
-<ds:datastoreItem xmlns:ds="http://schemas.openxmlformats.org/officeDocument/2006/customXml" ds:itemID="{3EBE5BB5-16D8-4951-9C8D-E0DF199895E2}">
-  <ds:schemaRefs>
-    <ds:schemaRef ds:uri="http://schemas.microsoft.com/sharepoint/v3/contenttype/forms"/>
-  </ds:schemaRefs>
-</ds:datastoreItem>
 </file>
--- a/ClassMaterials/OOAndExceptions/Slides/Part1-UML-Review.pptx
+++ b/ClassMaterials/OOAndExceptions/Slides/Part1-UML-Review.pptx
@@ -5382,72 +5382,6 @@
           </a:p>
         </p:txBody>
       </p:sp>
-      <p:sp>
-        <p:nvSpPr>
-          <p:cNvPr id="2" name="TextBox 1">
-            <a:extLst>
-              <a:ext uri="{FF2B5EF4-FFF2-40B4-BE49-F238E27FC236}">
-                <a16:creationId xmlns:a16="http://schemas.microsoft.com/office/drawing/2014/main" id="{0BB695EC-421F-32CE-A5DD-39A0356C8DD8}"/>
-              </a:ext>
-            </a:extLst>
-          </p:cNvPr>
-          <p:cNvSpPr txBox="1"/>
-          <p:nvPr/>
-        </p:nvSpPr>
-        <p:spPr>
-          <a:xfrm>
-            <a:off x="3971366" y="22057"/>
-            <a:ext cx="5334001" cy="1046440"/>
-          </a:xfrm>
-          <a:prstGeom prst="rect">
-            <a:avLst/>
-          </a:prstGeom>
-          <a:noFill/>
-          <a:ln w="12700" cap="flat">
-            <a:noFill/>
-            <a:miter lim="400000"/>
-          </a:ln>
-          <a:effectLst/>
-        </p:spPr>
-        <p:style>
-          <a:lnRef idx="0">
-            <a:scrgbClr r="0" g="0" b="0"/>
-          </a:lnRef>
-          <a:fillRef idx="0">
-            <a:scrgbClr r="0" g="0" b="0"/>
-          </a:fillRef>
-          <a:effectRef idx="0">
-            <a:scrgbClr r="0" g="0" b="0"/>
-          </a:effectRef>
-          <a:fontRef idx="none"/>
-        </p:style>
-        <p:txBody>
-          <a:bodyPr wrap="square">
-            <a:spAutoFit/>
-          </a:bodyPr>
-          <a:lstStyle/>
-          <a:p>
-            <a:r>
-              <a:rPr lang="en-US" dirty="0">
-                <a:highlight>
-                  <a:srgbClr val="FFFF00"/>
-                </a:highlight>
-              </a:rPr>
-              <a:t>Today’s Attendance password</a:t>
-            </a:r>
-          </a:p>
-          <a:p>
-            <a:r>
-              <a:rPr lang="en-US" sz="4400" dirty="0">
-                <a:highlight>
-                  <a:srgbClr val="FFFF00"/>
-                </a:highlight>
-              </a:rPr>
-              <a:t>___________</a:t>
-            </a:r>
-          </a:p>
-        </p:txBody>
-      </p:sp>
       <p:pic>
         <p:nvPicPr>
           <p:cNvPr id="3" name="Picture 2">
@@ -5478,6 +5412,69 @@
           </a:prstGeom>
         </p:spPr>
       </p:pic>
+      <p:sp>
+        <p:nvSpPr>
+          <p:cNvPr id="4" name="Shape 54">
+            <a:extLst>
+              <a:ext uri="{FF2B5EF4-FFF2-40B4-BE49-F238E27FC236}">
+                <a16:creationId xmlns:a16="http://schemas.microsoft.com/office/drawing/2014/main" id="{AE6B0AD4-384B-F231-6226-58C8C32A7023}"/>
+              </a:ext>
+            </a:extLst>
+          </p:cNvPr>
+          <p:cNvSpPr/>
+          <p:nvPr/>
+        </p:nvSpPr>
+        <p:spPr>
+          <a:xfrm>
+            <a:off x="5539154" y="209686"/>
+            <a:ext cx="3346430" cy="738664"/>
+          </a:xfrm>
+          <a:prstGeom prst="rect">
+            <a:avLst/>
+          </a:prstGeom>
+          <a:solidFill>
+            <a:srgbClr val="9BBB59"/>
+          </a:solidFill>
+          <a:ln w="25400" cap="rnd">
+            <a:solidFill>
+              <a:srgbClr val="718841"/>
+            </a:solidFill>
+          </a:ln>
+          <a:extLst>
+            <a:ext uri="{C572A759-6A51-4108-AA02-DFA0A04FC94B}">
+              <ma14:wrappingTextBoxFlag xmlns="" xmlns:ma14="http://schemas.microsoft.com/office/mac/drawingml/2011/main" val="1"/>
+            </a:ext>
+          </a:extLst>
+        </p:spPr>
+        <p:txBody>
+          <a:bodyPr wrap="square" lIns="0" tIns="0" rIns="0" bIns="0">
+            <a:spAutoFit/>
+          </a:bodyPr>
+          <a:lstStyle/>
+          <a:p>
+            <a:pPr lvl="0"/>
+            <a:r>
+              <a:rPr lang="en-US" sz="2400" i="1" dirty="0">
+                <a:solidFill>
+                  <a:srgbClr val="FFFFFF"/>
+                </a:solidFill>
+              </a:rPr>
+              <a:t> Attendance password    </a:t>
+            </a:r>
+          </a:p>
+          <a:p>
+            <a:pPr lvl="0"/>
+            <a:r>
+              <a:rPr lang="en-US" sz="2400" i="1" dirty="0">
+                <a:solidFill>
+                  <a:srgbClr val="FFFFFF"/>
+                </a:solidFill>
+              </a:rPr>
+              <a:t> is written on the board</a:t>
+            </a:r>
+          </a:p>
+        </p:txBody>
+      </p:sp>
     </p:spTree>
   </p:cSld>
   <p:clrMapOvr>
@@ -9924,26 +9921,6 @@
 </file>
 
 <file path=customXml/item1.xml><?xml version="1.0" encoding="utf-8"?>
-<?mso-contentType ?>
-<FormTemplates xmlns="http://schemas.microsoft.com/sharepoint/v3/contenttype/forms">
-  <Display>DocumentLibraryForm</Display>
-  <Edit>DocumentLibraryForm</Edit>
-  <New>DocumentLibraryForm</New>
-</FormTemplates>
-</file>
-
-<file path=customXml/item2.xml><?xml version="1.0" encoding="utf-8"?>
-<p:properties xmlns:p="http://schemas.microsoft.com/office/2006/metadata/properties" xmlns:xsi="http://www.w3.org/2001/XMLSchema-instance" xmlns:pc="http://schemas.microsoft.com/office/infopath/2007/PartnerControls">
-  <documentManagement>
-    <TaxCatchAll xmlns="820f9cb1-409d-4c4b-8197-1d4f7dd48124" xsi:nil="true"/>
-    <lcf76f155ced4ddcb4097134ff3c332f xmlns="08600313-7276-4ca7-b5d3-7d86193ee0ac">
-      <Terms xmlns="http://schemas.microsoft.com/office/infopath/2007/PartnerControls"/>
-    </lcf76f155ced4ddcb4097134ff3c332f>
-  </documentManagement>
-</p:properties>
-</file>
-
-<file path=customXml/item3.xml><?xml version="1.0" encoding="utf-8"?>
 <ct:contentTypeSchema xmlns:ct="http://schemas.microsoft.com/office/2006/metadata/contentType" xmlns:ma="http://schemas.microsoft.com/office/2006/metadata/properties/metaAttributes" ct:_="" ma:_="" ma:contentTypeName="Document" ma:contentTypeID="0x0101004285D81DBE5F5A448E892B34D6B8CF20" ma:contentTypeVersion="8" ma:contentTypeDescription="Create a new document." ma:contentTypeScope="" ma:versionID="ecce54155d2ea7caa9aed06c8b6b9867">
   <xsd:schema xmlns:xsd="http://www.w3.org/2001/XMLSchema" xmlns:xs="http://www.w3.org/2001/XMLSchema" xmlns:p="http://schemas.microsoft.com/office/2006/metadata/properties" xmlns:ns2="08600313-7276-4ca7-b5d3-7d86193ee0ac" xmlns:ns3="820f9cb1-409d-4c4b-8197-1d4f7dd48124" targetNamespace="http://schemas.microsoft.com/office/2006/metadata/properties" ma:root="true" ma:fieldsID="bfd7385540b70b2fe84ac888cc214377" ns2:_="" ns3:_="">
     <xsd:import namespace="08600313-7276-4ca7-b5d3-7d86193ee0ac"/>
@@ -10120,10 +10097,41 @@
 </ct:contentTypeSchema>
 </file>
 
+<file path=customXml/item2.xml><?xml version="1.0" encoding="utf-8"?>
+<p:properties xmlns:p="http://schemas.microsoft.com/office/2006/metadata/properties" xmlns:xsi="http://www.w3.org/2001/XMLSchema-instance" xmlns:pc="http://schemas.microsoft.com/office/infopath/2007/PartnerControls">
+  <documentManagement>
+    <TaxCatchAll xmlns="820f9cb1-409d-4c4b-8197-1d4f7dd48124" xsi:nil="true"/>
+    <lcf76f155ced4ddcb4097134ff3c332f xmlns="08600313-7276-4ca7-b5d3-7d86193ee0ac">
+      <Terms xmlns="http://schemas.microsoft.com/office/infopath/2007/PartnerControls"/>
+    </lcf76f155ced4ddcb4097134ff3c332f>
+  </documentManagement>
+</p:properties>
+</file>
+
+<file path=customXml/item3.xml><?xml version="1.0" encoding="utf-8"?>
+<?mso-contentType ?>
+<FormTemplates xmlns="http://schemas.microsoft.com/sharepoint/v3/contenttype/forms">
+  <Display>DocumentLibraryForm</Display>
+  <Edit>DocumentLibraryForm</Edit>
+  <New>DocumentLibraryForm</New>
+</FormTemplates>
+</file>
+
 <file path=customXml/itemProps1.xml><?xml version="1.0" encoding="utf-8"?>
-<ds:datastoreItem xmlns:ds="http://schemas.openxmlformats.org/officeDocument/2006/customXml" ds:itemID="{3EBE5BB5-16D8-4951-9C8D-E0DF199895E2}">
+<ds:datastoreItem xmlns:ds="http://schemas.openxmlformats.org/officeDocument/2006/customXml" ds:itemID="{749915E0-C9C6-4DE7-A4C1-4F6BBE656611}">
   <ds:schemaRefs>
-    <ds:schemaRef ds:uri="http://schemas.microsoft.com/sharepoint/v3/contenttype/forms"/>
+    <ds:schemaRef ds:uri="http://schemas.microsoft.com/office/2006/metadata/contentType"/>
+    <ds:schemaRef ds:uri="http://schemas.microsoft.com/office/2006/metadata/properties/metaAttributes"/>
+    <ds:schemaRef ds:uri="http://www.w3.org/2001/XMLSchema"/>
+    <ds:schemaRef ds:uri="http://schemas.microsoft.com/office/2006/metadata/properties"/>
+    <ds:schemaRef ds:uri="08600313-7276-4ca7-b5d3-7d86193ee0ac"/>
+    <ds:schemaRef ds:uri="820f9cb1-409d-4c4b-8197-1d4f7dd48124"/>
+    <ds:schemaRef ds:uri="http://schemas.microsoft.com/office/2006/documentManagement/types"/>
+    <ds:schemaRef ds:uri="http://schemas.microsoft.com/office/infopath/2007/PartnerControls"/>
+    <ds:schemaRef ds:uri="http://schemas.openxmlformats.org/package/2006/metadata/core-properties"/>
+    <ds:schemaRef ds:uri="http://purl.org/dc/elements/1.1/"/>
+    <ds:schemaRef ds:uri="http://purl.org/dc/terms/"/>
+    <ds:schemaRef ds:uri="http://schemas.microsoft.com/internal/obd"/>
   </ds:schemaRefs>
 </ds:datastoreItem>
 </file>
@@ -10140,20 +10148,9 @@
 </file>
 
 <file path=customXml/itemProps3.xml><?xml version="1.0" encoding="utf-8"?>
-<ds:datastoreItem xmlns:ds="http://schemas.openxmlformats.org/officeDocument/2006/customXml" ds:itemID="{749915E0-C9C6-4DE7-A4C1-4F6BBE656611}">
+<ds:datastoreItem xmlns:ds="http://schemas.openxmlformats.org/officeDocument/2006/customXml" ds:itemID="{3EBE5BB5-16D8-4951-9C8D-E0DF199895E2}">
   <ds:schemaRefs>
-    <ds:schemaRef ds:uri="http://schemas.microsoft.com/office/2006/metadata/contentType"/>
-    <ds:schemaRef ds:uri="http://schemas.microsoft.com/office/2006/metadata/properties/metaAttributes"/>
-    <ds:schemaRef ds:uri="http://www.w3.org/2001/XMLSchema"/>
-    <ds:schemaRef ds:uri="http://schemas.microsoft.com/office/2006/metadata/properties"/>
-    <ds:schemaRef ds:uri="08600313-7276-4ca7-b5d3-7d86193ee0ac"/>
-    <ds:schemaRef ds:uri="820f9cb1-409d-4c4b-8197-1d4f7dd48124"/>
-    <ds:schemaRef ds:uri="http://schemas.microsoft.com/office/2006/documentManagement/types"/>
-    <ds:schemaRef ds:uri="http://schemas.microsoft.com/office/infopath/2007/PartnerControls"/>
-    <ds:schemaRef ds:uri="http://schemas.openxmlformats.org/package/2006/metadata/core-properties"/>
-    <ds:schemaRef ds:uri="http://purl.org/dc/elements/1.1/"/>
-    <ds:schemaRef ds:uri="http://purl.org/dc/terms/"/>
-    <ds:schemaRef ds:uri="http://schemas.microsoft.com/internal/obd"/>
+    <ds:schemaRef ds:uri="http://schemas.microsoft.com/sharepoint/v3/contenttype/forms"/>
   </ds:schemaRefs>
 </ds:datastoreItem>
 </file>